--- a/lab/lab2/ECE_383_Lab2.pptx
+++ b/lab/lab2/ECE_383_Lab2.pptx
@@ -43,7 +43,7 @@
     <p:sldId id="383" r:id="rId31"/>
   </p:sldIdLst>
   <p:sldSz cx="9144000" cy="6858000" type="screen4x3"/>
-  <p:notesSz cx="6985000" cy="9283700"/>
+  <p:notesSz cx="7010400" cy="9296400"/>
   <p:defaultTextStyle>
     <a:defPPr>
       <a:defRPr lang="en-US"/>
@@ -178,6 +178,22 @@
       </a:defRPr>
     </a:lvl9pPr>
   </p:defaultTextStyle>
+  <p:extLst>
+    <p:ext uri="{EFAFB233-063F-42B5-8137-9DF3F51BA10A}">
+      <p15:sldGuideLst xmlns:p15="http://schemas.microsoft.com/office/powerpoint/2012/main">
+        <p15:guide id="1" orient="horz" pos="2160">
+          <p15:clr>
+            <a:srgbClr val="A4A3A4"/>
+          </p15:clr>
+        </p15:guide>
+        <p15:guide id="2" pos="2880">
+          <p15:clr>
+            <a:srgbClr val="A4A3A4"/>
+          </p15:clr>
+        </p15:guide>
+      </p15:sldGuideLst>
+    </p:ext>
+  </p:extLst>
 </p:presentation>
 </file>
 
@@ -219,7 +235,7 @@
         <p:spPr bwMode="auto">
           <a:xfrm>
             <a:off x="1" y="0"/>
-            <a:ext cx="3026622" cy="463550"/>
+            <a:ext cx="3037628" cy="464184"/>
           </a:xfrm>
           <a:prstGeom prst="rect">
             <a:avLst/>
@@ -234,13 +250,13 @@
           <a:effectLst/>
         </p:spPr>
         <p:txBody>
-          <a:bodyPr vert="horz" wrap="square" lIns="93031" tIns="46516" rIns="93031" bIns="46516" numCol="1" anchor="t" anchorCtr="0" compatLnSpc="1">
+          <a:bodyPr vert="horz" wrap="square" lIns="93245" tIns="46623" rIns="93245" bIns="46623" numCol="1" anchor="t" anchorCtr="0" compatLnSpc="1">
             <a:prstTxWarp prst="textNoShape">
               <a:avLst/>
             </a:prstTxWarp>
           </a:bodyPr>
           <a:lstStyle>
-            <a:lvl1pPr defTabSz="930275">
+            <a:lvl1pPr defTabSz="932415">
               <a:spcBef>
                 <a:spcPct val="0"/>
               </a:spcBef>
@@ -267,8 +283,8 @@
         </p:nvSpPr>
         <p:spPr bwMode="auto">
           <a:xfrm>
-            <a:off x="3958378" y="0"/>
-            <a:ext cx="3026622" cy="463550"/>
+            <a:off x="3972772" y="0"/>
+            <a:ext cx="3037628" cy="464184"/>
           </a:xfrm>
           <a:prstGeom prst="rect">
             <a:avLst/>
@@ -283,13 +299,13 @@
           <a:effectLst/>
         </p:spPr>
         <p:txBody>
-          <a:bodyPr vert="horz" wrap="square" lIns="93031" tIns="46516" rIns="93031" bIns="46516" numCol="1" anchor="t" anchorCtr="0" compatLnSpc="1">
+          <a:bodyPr vert="horz" wrap="square" lIns="93245" tIns="46623" rIns="93245" bIns="46623" numCol="1" anchor="t" anchorCtr="0" compatLnSpc="1">
             <a:prstTxWarp prst="textNoShape">
               <a:avLst/>
             </a:prstTxWarp>
           </a:bodyPr>
           <a:lstStyle>
-            <a:lvl1pPr algn="r" defTabSz="930275">
+            <a:lvl1pPr algn="r" defTabSz="932415">
               <a:spcBef>
                 <a:spcPct val="0"/>
               </a:spcBef>
@@ -316,8 +332,8 @@
         </p:nvSpPr>
         <p:spPr bwMode="auto">
           <a:xfrm>
-            <a:off x="1" y="8820150"/>
-            <a:ext cx="3026622" cy="463550"/>
+            <a:off x="1" y="8832216"/>
+            <a:ext cx="3037628" cy="464184"/>
           </a:xfrm>
           <a:prstGeom prst="rect">
             <a:avLst/>
@@ -332,13 +348,13 @@
           <a:effectLst/>
         </p:spPr>
         <p:txBody>
-          <a:bodyPr vert="horz" wrap="square" lIns="93031" tIns="46516" rIns="93031" bIns="46516" numCol="1" anchor="b" anchorCtr="0" compatLnSpc="1">
+          <a:bodyPr vert="horz" wrap="square" lIns="93245" tIns="46623" rIns="93245" bIns="46623" numCol="1" anchor="b" anchorCtr="0" compatLnSpc="1">
             <a:prstTxWarp prst="textNoShape">
               <a:avLst/>
             </a:prstTxWarp>
           </a:bodyPr>
           <a:lstStyle>
-            <a:lvl1pPr defTabSz="930275">
+            <a:lvl1pPr defTabSz="932415">
               <a:spcBef>
                 <a:spcPct val="0"/>
               </a:spcBef>
@@ -365,8 +381,8 @@
         </p:nvSpPr>
         <p:spPr bwMode="auto">
           <a:xfrm>
-            <a:off x="3958378" y="8820150"/>
-            <a:ext cx="3026622" cy="463550"/>
+            <a:off x="3972772" y="8832216"/>
+            <a:ext cx="3037628" cy="464184"/>
           </a:xfrm>
           <a:prstGeom prst="rect">
             <a:avLst/>
@@ -381,13 +397,13 @@
           <a:effectLst/>
         </p:spPr>
         <p:txBody>
-          <a:bodyPr vert="horz" wrap="square" lIns="93031" tIns="46516" rIns="93031" bIns="46516" numCol="1" anchor="b" anchorCtr="0" compatLnSpc="1">
+          <a:bodyPr vert="horz" wrap="square" lIns="93245" tIns="46623" rIns="93245" bIns="46623" numCol="1" anchor="b" anchorCtr="0" compatLnSpc="1">
             <a:prstTxWarp prst="textNoShape">
               <a:avLst/>
             </a:prstTxWarp>
           </a:bodyPr>
           <a:lstStyle>
-            <a:lvl1pPr algn="r" defTabSz="930275">
+            <a:lvl1pPr algn="r" defTabSz="932415">
               <a:spcBef>
                 <a:spcPct val="0"/>
               </a:spcBef>
@@ -458,7 +474,7 @@
         <p:spPr bwMode="auto">
           <a:xfrm>
             <a:off x="1" y="0"/>
-            <a:ext cx="3026622" cy="463550"/>
+            <a:ext cx="3037628" cy="464184"/>
           </a:xfrm>
           <a:prstGeom prst="rect">
             <a:avLst/>
@@ -473,13 +489,13 @@
           <a:effectLst/>
         </p:spPr>
         <p:txBody>
-          <a:bodyPr vert="horz" wrap="square" lIns="93031" tIns="46516" rIns="93031" bIns="46516" numCol="1" anchor="t" anchorCtr="0" compatLnSpc="1">
+          <a:bodyPr vert="horz" wrap="square" lIns="93245" tIns="46623" rIns="93245" bIns="46623" numCol="1" anchor="t" anchorCtr="0" compatLnSpc="1">
             <a:prstTxWarp prst="textNoShape">
               <a:avLst/>
             </a:prstTxWarp>
           </a:bodyPr>
           <a:lstStyle>
-            <a:lvl1pPr defTabSz="930275">
+            <a:lvl1pPr defTabSz="932415">
               <a:spcBef>
                 <a:spcPct val="0"/>
               </a:spcBef>
@@ -506,8 +522,8 @@
         </p:nvSpPr>
         <p:spPr bwMode="auto">
           <a:xfrm>
-            <a:off x="3958378" y="0"/>
-            <a:ext cx="3026622" cy="463550"/>
+            <a:off x="3972772" y="0"/>
+            <a:ext cx="3037628" cy="464184"/>
           </a:xfrm>
           <a:prstGeom prst="rect">
             <a:avLst/>
@@ -522,13 +538,13 @@
           <a:effectLst/>
         </p:spPr>
         <p:txBody>
-          <a:bodyPr vert="horz" wrap="square" lIns="93031" tIns="46516" rIns="93031" bIns="46516" numCol="1" anchor="t" anchorCtr="0" compatLnSpc="1">
+          <a:bodyPr vert="horz" wrap="square" lIns="93245" tIns="46623" rIns="93245" bIns="46623" numCol="1" anchor="t" anchorCtr="0" compatLnSpc="1">
             <a:prstTxWarp prst="textNoShape">
               <a:avLst/>
             </a:prstTxWarp>
           </a:bodyPr>
           <a:lstStyle>
-            <a:lvl1pPr algn="r" defTabSz="930275">
+            <a:lvl1pPr algn="r" defTabSz="932415">
               <a:spcBef>
                 <a:spcPct val="0"/>
               </a:spcBef>
@@ -555,8 +571,8 @@
         </p:nvSpPr>
         <p:spPr bwMode="auto">
           <a:xfrm>
-            <a:off x="1171575" y="696913"/>
-            <a:ext cx="4641850" cy="3481387"/>
+            <a:off x="1181100" y="698500"/>
+            <a:ext cx="4648200" cy="3486150"/>
           </a:xfrm>
           <a:prstGeom prst="rect">
             <a:avLst/>
@@ -584,8 +600,8 @@
         </p:nvSpPr>
         <p:spPr bwMode="auto">
           <a:xfrm>
-            <a:off x="931756" y="4410076"/>
-            <a:ext cx="5121488" cy="4176713"/>
+            <a:off x="935144" y="4416109"/>
+            <a:ext cx="5140112" cy="4182427"/>
           </a:xfrm>
           <a:prstGeom prst="rect">
             <a:avLst/>
@@ -600,7 +616,7 @@
           <a:effectLst/>
         </p:spPr>
         <p:txBody>
-          <a:bodyPr vert="horz" wrap="square" lIns="93031" tIns="46516" rIns="93031" bIns="46516" numCol="1" anchor="t" anchorCtr="0" compatLnSpc="1">
+          <a:bodyPr vert="horz" wrap="square" lIns="93245" tIns="46623" rIns="93245" bIns="46623" numCol="1" anchor="t" anchorCtr="0" compatLnSpc="1">
             <a:prstTxWarp prst="textNoShape">
               <a:avLst/>
             </a:prstTxWarp>
@@ -655,8 +671,8 @@
         </p:nvSpPr>
         <p:spPr bwMode="auto">
           <a:xfrm>
-            <a:off x="1" y="8820150"/>
-            <a:ext cx="3026622" cy="463550"/>
+            <a:off x="1" y="8832216"/>
+            <a:ext cx="3037628" cy="464184"/>
           </a:xfrm>
           <a:prstGeom prst="rect">
             <a:avLst/>
@@ -671,13 +687,13 @@
           <a:effectLst/>
         </p:spPr>
         <p:txBody>
-          <a:bodyPr vert="horz" wrap="square" lIns="93031" tIns="46516" rIns="93031" bIns="46516" numCol="1" anchor="b" anchorCtr="0" compatLnSpc="1">
+          <a:bodyPr vert="horz" wrap="square" lIns="93245" tIns="46623" rIns="93245" bIns="46623" numCol="1" anchor="b" anchorCtr="0" compatLnSpc="1">
             <a:prstTxWarp prst="textNoShape">
               <a:avLst/>
             </a:prstTxWarp>
           </a:bodyPr>
           <a:lstStyle>
-            <a:lvl1pPr defTabSz="930275">
+            <a:lvl1pPr defTabSz="932415">
               <a:spcBef>
                 <a:spcPct val="0"/>
               </a:spcBef>
@@ -704,8 +720,8 @@
         </p:nvSpPr>
         <p:spPr bwMode="auto">
           <a:xfrm>
-            <a:off x="3958378" y="8820150"/>
-            <a:ext cx="3026622" cy="463550"/>
+            <a:off x="3972772" y="8832216"/>
+            <a:ext cx="3037628" cy="464184"/>
           </a:xfrm>
           <a:prstGeom prst="rect">
             <a:avLst/>
@@ -720,13 +736,13 @@
           <a:effectLst/>
         </p:spPr>
         <p:txBody>
-          <a:bodyPr vert="horz" wrap="square" lIns="93031" tIns="46516" rIns="93031" bIns="46516" numCol="1" anchor="b" anchorCtr="0" compatLnSpc="1">
+          <a:bodyPr vert="horz" wrap="square" lIns="93245" tIns="46623" rIns="93245" bIns="46623" numCol="1" anchor="b" anchorCtr="0" compatLnSpc="1">
             <a:prstTxWarp prst="textNoShape">
               <a:avLst/>
             </a:prstTxWarp>
           </a:bodyPr>
           <a:lstStyle>
-            <a:lvl1pPr algn="r" defTabSz="930275">
+            <a:lvl1pPr algn="r" defTabSz="932415">
               <a:spcBef>
                 <a:spcPct val="0"/>
               </a:spcBef>
@@ -1069,7 +1085,7 @@
                 </a:solidFill>
               </a:rPr>
               <a:pPr/>
-              <a:t>2/10/2017</a:t>
+              <a:t>2/14/2019</a:t>
             </a:fld>
             <a:endParaRPr lang="en-US">
               <a:solidFill>
@@ -1271,7 +1287,7 @@
                 </a:solidFill>
               </a:rPr>
               <a:pPr/>
-              <a:t>2/10/2017</a:t>
+              <a:t>2/14/2019</a:t>
             </a:fld>
             <a:endParaRPr lang="en-US">
               <a:solidFill>
@@ -1483,7 +1499,7 @@
                 </a:solidFill>
               </a:rPr>
               <a:pPr/>
-              <a:t>2/10/2017</a:t>
+              <a:t>2/14/2019</a:t>
             </a:fld>
             <a:endParaRPr lang="en-US">
               <a:solidFill>
@@ -1974,7 +1990,7 @@
                 </a:spcAft>
                 <a:defRPr/>
               </a:pPr>
-              <a:t>10 February 2017</a:t>
+              <a:t>14 February 2019</a:t>
             </a:fld>
             <a:endParaRPr lang="en-US" sz="1800">
               <a:solidFill>
@@ -2239,7 +2255,7 @@
                 </a:spcAft>
                 <a:defRPr/>
               </a:pPr>
-              <a:t>10 February 2017</a:t>
+              <a:t>14 February 2019</a:t>
             </a:fld>
             <a:endParaRPr lang="en-US" sz="1800">
               <a:solidFill>
@@ -2593,7 +2609,7 @@
                 </a:spcAft>
                 <a:defRPr/>
               </a:pPr>
-              <a:t>10 February 2017</a:t>
+              <a:t>14 February 2019</a:t>
             </a:fld>
             <a:endParaRPr lang="en-US" sz="1800">
               <a:solidFill>
@@ -3086,7 +3102,7 @@
                 </a:spcAft>
                 <a:defRPr/>
               </a:pPr>
-              <a:t>10 February 2017</a:t>
+              <a:t>14 February 2019</a:t>
             </a:fld>
             <a:endParaRPr lang="en-US" sz="1800">
               <a:solidFill>
@@ -3270,7 +3286,7 @@
                 </a:spcAft>
                 <a:defRPr/>
               </a:pPr>
-              <a:t>10 February 2017</a:t>
+              <a:t>14 February 2019</a:t>
             </a:fld>
             <a:endParaRPr lang="en-US" sz="1800">
               <a:solidFill>
@@ -3431,7 +3447,7 @@
                 </a:spcAft>
                 <a:defRPr/>
               </a:pPr>
-              <a:t>10 February 2017</a:t>
+              <a:t>14 February 2019</a:t>
             </a:fld>
             <a:endParaRPr lang="en-US" sz="1800">
               <a:solidFill>
@@ -3774,7 +3790,7 @@
                 </a:spcAft>
                 <a:defRPr/>
               </a:pPr>
-              <a:t>10 February 2017</a:t>
+              <a:t>14 February 2019</a:t>
             </a:fld>
             <a:endParaRPr lang="en-US" sz="1800">
               <a:solidFill>
@@ -3913,7 +3929,7 @@
                 </a:solidFill>
               </a:rPr>
               <a:pPr/>
-              <a:t>2/10/2017</a:t>
+              <a:t>2/14/2019</a:t>
             </a:fld>
             <a:endParaRPr lang="en-US">
               <a:solidFill>
@@ -4296,7 +4312,7 @@
                 </a:spcAft>
                 <a:defRPr/>
               </a:pPr>
-              <a:t>10 February 2017</a:t>
+              <a:t>14 February 2019</a:t>
             </a:fld>
             <a:endParaRPr lang="en-US" sz="1800">
               <a:solidFill>
@@ -4532,7 +4548,7 @@
                 </a:spcAft>
                 <a:defRPr/>
               </a:pPr>
-              <a:t>10 February 2017</a:t>
+              <a:t>14 February 2019</a:t>
             </a:fld>
             <a:endParaRPr lang="en-US" sz="1800">
               <a:solidFill>
@@ -4778,7 +4794,7 @@
                 </a:spcAft>
                 <a:defRPr/>
               </a:pPr>
-              <a:t>10 February 2017</a:t>
+              <a:t>14 February 2019</a:t>
             </a:fld>
             <a:endParaRPr lang="en-US" sz="1800">
               <a:solidFill>
@@ -4992,7 +5008,7 @@
                 </a:spcAft>
                 <a:defRPr/>
               </a:pPr>
-              <a:t>10 February 2017</a:t>
+              <a:t>14 February 2019</a:t>
             </a:fld>
             <a:endParaRPr lang="en-US" sz="1800">
               <a:solidFill>
@@ -5207,7 +5223,7 @@
                 </a:solidFill>
               </a:rPr>
               <a:pPr/>
-              <a:t>2/10/2017</a:t>
+              <a:t>2/14/2019</a:t>
             </a:fld>
             <a:endParaRPr lang="en-US">
               <a:solidFill>
@@ -5527,7 +5543,7 @@
                 </a:solidFill>
               </a:rPr>
               <a:pPr/>
-              <a:t>2/10/2017</a:t>
+              <a:t>2/14/2019</a:t>
             </a:fld>
             <a:endParaRPr lang="en-US">
               <a:solidFill>
@@ -5981,7 +5997,7 @@
                 </a:solidFill>
               </a:rPr>
               <a:pPr/>
-              <a:t>2/10/2017</a:t>
+              <a:t>2/14/2019</a:t>
             </a:fld>
             <a:endParaRPr lang="en-US">
               <a:solidFill>
@@ -6131,7 +6147,7 @@
                 </a:solidFill>
               </a:rPr>
               <a:pPr/>
-              <a:t>2/10/2017</a:t>
+              <a:t>2/14/2019</a:t>
             </a:fld>
             <a:endParaRPr lang="en-US">
               <a:solidFill>
@@ -6258,7 +6274,7 @@
                 </a:solidFill>
               </a:rPr>
               <a:pPr/>
-              <a:t>2/10/2017</a:t>
+              <a:t>2/14/2019</a:t>
             </a:fld>
             <a:endParaRPr lang="en-US">
               <a:solidFill>
@@ -6567,7 +6583,7 @@
                 </a:solidFill>
               </a:rPr>
               <a:pPr/>
-              <a:t>2/10/2017</a:t>
+              <a:t>2/14/2019</a:t>
             </a:fld>
             <a:endParaRPr lang="en-US">
               <a:solidFill>
@@ -6852,7 +6868,7 @@
                 </a:solidFill>
               </a:rPr>
               <a:pPr/>
-              <a:t>2/10/2017</a:t>
+              <a:t>2/14/2019</a:t>
             </a:fld>
             <a:endParaRPr lang="en-US">
               <a:solidFill>
@@ -7113,7 +7129,7 @@
                   <a:spcPts val="0"/>
                 </a:spcAft>
               </a:pPr>
-              <a:t>2/10/2017</a:t>
+              <a:t>2/14/2019</a:t>
             </a:fld>
             <a:endParaRPr lang="en-US">
               <a:solidFill>
@@ -8914,59 +8930,6 @@
           </a:p>
         </p:txBody>
       </p:sp>
-      <p:sp>
-        <p:nvSpPr>
-          <p:cNvPr id="9" name="Rectangle 10"/>
-          <p:cNvSpPr>
-            <a:spLocks noGrp="1" noChangeArrowheads="1"/>
-          </p:cNvSpPr>
-          <p:nvPr>
-            <p:ph type="subTitle" idx="1"/>
-          </p:nvPr>
-        </p:nvSpPr>
-        <p:spPr>
-          <a:xfrm>
-            <a:off x="4159624" y="4743733"/>
-            <a:ext cx="4508500" cy="1489075"/>
-          </a:xfrm>
-        </p:spPr>
-        <p:txBody>
-          <a:bodyPr anchor="ctr">
-            <a:normAutofit lnSpcReduction="10000"/>
-          </a:bodyPr>
-          <a:lstStyle>
-            <a:lvl1pPr marL="0" indent="0" algn="r">
-              <a:buFont typeface="Wingdings" pitchFamily="2" charset="2"/>
-              <a:buNone/>
-              <a:defRPr/>
-            </a:lvl1pPr>
-          </a:lstStyle>
-          <a:p>
-            <a:r>
-              <a:rPr lang="en-US" dirty="0" smtClean="0"/>
-              <a:t>Maj Jeffrey </a:t>
-            </a:r>
-            <a:r>
-              <a:rPr lang="en-US" dirty="0"/>
-              <a:t>Falkinburg</a:t>
-            </a:r>
-            <a:br>
-              <a:rPr lang="en-US" dirty="0"/>
-            </a:br>
-            <a:r>
-              <a:rPr lang="en-US" dirty="0"/>
-              <a:t>Room 2E46E</a:t>
-            </a:r>
-            <a:br>
-              <a:rPr lang="en-US" dirty="0"/>
-            </a:br>
-            <a:r>
-              <a:rPr lang="en-US" dirty="0" smtClean="0"/>
-              <a:t>333-9193</a:t>
-            </a:r>
-          </a:p>
-        </p:txBody>
-      </p:sp>
       <p:pic>
         <p:nvPicPr>
           <p:cNvPr id="1026" name="Picture 2" descr="https://sharepoint.usafa.edu/hq/CM/Shared%20Documents/Logo/USAFA%20Logo%20v%203%20line%20CMYK.png"/>
@@ -9008,6 +8971,25 @@
           </a:extLst>
         </p:spPr>
       </p:pic>
+      <p:sp>
+        <p:nvSpPr>
+          <p:cNvPr id="2" name="Subtitle 1"/>
+          <p:cNvSpPr>
+            <a:spLocks noGrp="1"/>
+          </p:cNvSpPr>
+          <p:nvPr>
+            <p:ph type="subTitle" idx="1"/>
+          </p:nvPr>
+        </p:nvSpPr>
+        <p:spPr/>
+        <p:txBody>
+          <a:bodyPr/>
+          <a:lstStyle/>
+          <a:p>
+            <a:endParaRPr lang="en-US"/>
+          </a:p>
+        </p:txBody>
+      </p:sp>
     </p:spTree>
     <p:extLst>
       <p:ext uri="{BB962C8B-B14F-4D97-AF65-F5344CB8AC3E}">
@@ -14507,7 +14489,7 @@
                 </a:spcAft>
                 <a:defRPr/>
               </a:pPr>
-              <a:t>10 February 2017</a:t>
+              <a:t>14 February 2019</a:t>
             </a:fld>
             <a:endParaRPr lang="en-US" sz="1800">
               <a:solidFill>
@@ -14917,7 +14899,7 @@
                 </a:spcAft>
                 <a:defRPr/>
               </a:pPr>
-              <a:t>10 February 2017</a:t>
+              <a:t>14 February 2019</a:t>
             </a:fld>
             <a:endParaRPr lang="en-US" sz="1800">
               <a:solidFill>
@@ -15255,15 +15237,43 @@
             </a:r>
             <a:r>
               <a:rPr lang="en-US" b="0" dirty="0"/>
-              <a:t> files from Lab 1 into your Lab 2 project in order to test your Lab 1 </a:t>
-            </a:r>
-            <a:r>
-              <a:rPr lang="en-US" b="0" dirty="0" err="1"/>
+              <a:t> files from Lab 1 into your Lab 2 project in order to </a:t>
+            </a:r>
+            <a:r>
+              <a:rPr lang="en-US" dirty="0">
+                <a:solidFill>
+                  <a:srgbClr val="FF0000"/>
+                </a:solidFill>
+              </a:rPr>
+              <a:t>test your Lab 1 </a:t>
+            </a:r>
+            <a:r>
+              <a:rPr lang="en-US" dirty="0" err="1">
+                <a:solidFill>
+                  <a:srgbClr val="FF0000"/>
+                </a:solidFill>
+              </a:rPr>
               <a:t>Scopeface</a:t>
             </a:r>
             <a:r>
+              <a:rPr lang="en-US" dirty="0">
+                <a:solidFill>
+                  <a:srgbClr val="FF0000"/>
+                </a:solidFill>
+              </a:rPr>
+              <a:t> works</a:t>
+            </a:r>
+            <a:r>
+              <a:rPr lang="en-US" b="0" dirty="0">
+                <a:solidFill>
+                  <a:srgbClr val="FF0000"/>
+                </a:solidFill>
+              </a:rPr>
+              <a:t> </a:t>
+            </a:r>
+            <a:r>
               <a:rPr lang="en-US" b="0" dirty="0"/>
-              <a:t> works when you implement you Audio Code Wrapper.  Notice from the block diagram…you will copy your Video instantiation and button processes from Lab 1 into your Lab 2 </a:t>
+              <a:t>when you implement you Audio Code Wrapper.  Notice from the block diagram…you will copy your Video instantiation and button processes from Lab 1 into your Lab 2 </a:t>
             </a:r>
             <a:r>
               <a:rPr lang="en-US" b="0" dirty="0" err="1"/>
@@ -15446,19 +15456,63 @@
             </a:r>
             <a:r>
               <a:rPr lang="en-US" b="0" dirty="0"/>
-              <a:t> entity to get your Audio Codec to begin functioning. Once you fully implement the Audio Codec Wrapper, you will drop in the Loopback process and make connections to loopback the serial ADC input back out to the DAC output (i.e. send the signal back into the Codec). Once you implement the design on the board, you can verify functionality by applying an audio signal to the audio line in jack (blue) and listening to it on the audio line out jack (Green) using a standard </a:t>
+              <a:t> entity to get your Audio Codec to begin functioning. Once you fully implement the Audio Codec Wrapper, you will drop in the </a:t>
+            </a:r>
+            <a:r>
+              <a:rPr lang="en-US" dirty="0">
+                <a:solidFill>
+                  <a:srgbClr val="FF0000"/>
+                </a:solidFill>
+              </a:rPr>
+              <a:t>Loopback process </a:t>
+            </a:r>
+            <a:r>
+              <a:rPr lang="en-US" b="0" dirty="0"/>
+              <a:t>and make connections to loopback the serial ADC input back out to the DAC output (i.e. send the signal back into the Codec). Once you implement the design on the board, you can verify functionality by applying an audio signal to the audio line in jack (blue) and </a:t>
+            </a:r>
+            <a:r>
+              <a:rPr lang="en-US" dirty="0">
+                <a:solidFill>
+                  <a:srgbClr val="FF0000"/>
+                </a:solidFill>
+              </a:rPr>
+              <a:t>listening to it on the audio line out </a:t>
+            </a:r>
+            <a:r>
+              <a:rPr lang="en-US" b="0" dirty="0"/>
+              <a:t>jack (Green) using a standard </a:t>
             </a:r>
             <a:r>
               <a:rPr lang="en-US" b="0" dirty="0" smtClean="0"/>
               <a:t>oscilloscope. Additionally your </a:t>
             </a:r>
             <a:r>
-              <a:rPr lang="en-US" b="0" dirty="0" err="1" smtClean="0"/>
+              <a:rPr lang="en-US" dirty="0" err="1" smtClean="0">
+                <a:solidFill>
+                  <a:srgbClr val="FF0000"/>
+                </a:solidFill>
+              </a:rPr>
               <a:t>Scopeface</a:t>
             </a:r>
             <a:r>
+              <a:rPr lang="en-US" dirty="0" smtClean="0"/>
+              <a:t> </a:t>
+            </a:r>
+            <a:r>
               <a:rPr lang="en-US" b="0" dirty="0" smtClean="0"/>
-              <a:t> and Button inputs from Lab 1 should be functional as well.</a:t>
+              <a:t>and </a:t>
+            </a:r>
+            <a:r>
+              <a:rPr lang="en-US" dirty="0" smtClean="0">
+                <a:solidFill>
+                  <a:srgbClr val="FF0000"/>
+                </a:solidFill>
+              </a:rPr>
+              <a:t>Button inputs </a:t>
+            </a:r>
+            <a:r>
+              <a:rPr lang="en-US" b="0" dirty="0" smtClean="0"/>
+              <a:t>from Lab 1 should be functional as well.</a:t>
             </a:r>
             <a:endParaRPr lang="en-US" dirty="0"/>
           </a:p>
@@ -15606,7 +15660,19 @@
             </a:pPr>
             <a:r>
               <a:rPr lang="en-US" b="0" dirty="0"/>
-              <a:t>NOTE: THIS IS THE HARDEST PART! By </a:t>
+              <a:t>NOTE: </a:t>
+            </a:r>
+            <a:r>
+              <a:rPr lang="en-US" b="0" dirty="0">
+                <a:solidFill>
+                  <a:srgbClr val="FF0000"/>
+                </a:solidFill>
+              </a:rPr>
+              <a:t>THIS IS THE HARDEST PART</a:t>
+            </a:r>
+            <a:r>
+              <a:rPr lang="en-US" b="0" dirty="0"/>
+              <a:t>! By </a:t>
             </a:r>
             <a:r>
               <a:rPr lang="en-US" dirty="0"/>
@@ -16142,7 +16208,7 @@
           <a:p>
             <a:pPr lvl="2"/>
             <a:r>
-              <a:rPr lang="en-US" b="0" dirty="0"/>
+              <a:rPr lang="en-US" b="0" strike="sngStrike" dirty="0"/>
               <a:t>Use a package file to contain all your component declarations.</a:t>
             </a:r>
           </a:p>
@@ -16338,37 +16404,29 @@
           <a:p>
             <a:pPr lvl="2"/>
             <a:r>
-              <a:rPr lang="en-US" b="0" dirty="0" err="1"/>
-              <a:t>Testbench</a:t>
-            </a:r>
-            <a:r>
-              <a:rPr lang="en-US" b="0" dirty="0"/>
-              <a:t> for the </a:t>
-            </a:r>
-            <a:r>
-              <a:rPr lang="en-US" b="0" dirty="0" err="1"/>
+              <a:rPr lang="en-US" b="0" strike="sngStrike" dirty="0"/>
+              <a:t>Testbench for the </a:t>
+            </a:r>
+            <a:r>
+              <a:rPr lang="en-US" b="0" strike="sngStrike" dirty="0" err="1"/>
               <a:t>flagRegister</a:t>
             </a:r>
             <a:r>
-              <a:rPr lang="en-US" b="0" dirty="0"/>
+              <a:rPr lang="en-US" b="0" strike="sngStrike" dirty="0"/>
               <a:t>.</a:t>
             </a:r>
           </a:p>
           <a:p>
             <a:pPr lvl="2"/>
             <a:r>
-              <a:rPr lang="en-US" b="0" dirty="0" err="1"/>
-              <a:t>Testbench</a:t>
-            </a:r>
-            <a:r>
-              <a:rPr lang="en-US" b="0" dirty="0"/>
-              <a:t> for the control unit</a:t>
-            </a:r>
-            <a:r>
-              <a:rPr lang="en-US" b="0" dirty="0" smtClean="0"/>
+              <a:rPr lang="en-US" b="0" strike="sngStrike" dirty="0"/>
+              <a:t>Testbench for the control unit</a:t>
+            </a:r>
+            <a:r>
+              <a:rPr lang="en-US" b="0" strike="sngStrike" dirty="0" smtClean="0"/>
               <a:t>.</a:t>
             </a:r>
-            <a:endParaRPr lang="en-US" b="0" dirty="0"/>
+            <a:endParaRPr lang="en-US" b="0" strike="sngStrike" dirty="0"/>
           </a:p>
         </p:txBody>
       </p:sp>
@@ -16512,47 +16570,43 @@
           <a:p>
             <a:pPr lvl="2"/>
             <a:r>
-              <a:rPr lang="en-US" b="0" dirty="0" err="1" smtClean="0"/>
-              <a:t>Testbench</a:t>
-            </a:r>
-            <a:r>
-              <a:rPr lang="en-US" b="0" dirty="0" smtClean="0"/>
-              <a:t> </a:t>
-            </a:r>
-            <a:r>
-              <a:rPr lang="en-US" b="0" dirty="0"/>
+              <a:rPr lang="en-US" b="0" strike="sngStrike" dirty="0" smtClean="0"/>
+              <a:t>Testbench </a:t>
+            </a:r>
+            <a:r>
+              <a:rPr lang="en-US" b="0" strike="sngStrike" dirty="0"/>
               <a:t>for the </a:t>
             </a:r>
             <a:r>
-              <a:rPr lang="en-US" b="0" dirty="0" err="1"/>
+              <a:rPr lang="en-US" b="0" strike="sngStrike" dirty="0" err="1"/>
               <a:t>datapath</a:t>
             </a:r>
             <a:r>
-              <a:rPr lang="en-US" b="0" dirty="0"/>
+              <a:rPr lang="en-US" b="0" strike="sngStrike" dirty="0"/>
               <a:t> unit showing data (different value than what is given in the </a:t>
             </a:r>
             <a:r>
-              <a:rPr lang="en-US" b="0" dirty="0" err="1"/>
+              <a:rPr lang="en-US" b="0" strike="sngStrike" dirty="0" err="1"/>
               <a:t>testbench</a:t>
             </a:r>
             <a:r>
-              <a:rPr lang="en-US" b="0" dirty="0"/>
+              <a:rPr lang="en-US" b="0" strike="sngStrike" dirty="0"/>
               <a:t>) coming out of the </a:t>
             </a:r>
             <a:r>
-              <a:rPr lang="en-US" b="0" dirty="0" smtClean="0"/>
+              <a:rPr lang="en-US" b="0" strike="sngStrike" dirty="0" smtClean="0"/>
               <a:t>audio </a:t>
             </a:r>
             <a:r>
-              <a:rPr lang="en-US" b="0" dirty="0"/>
+              <a:rPr lang="en-US" b="0" strike="sngStrike" dirty="0"/>
               <a:t>codec and being converted from signed to unsigned and then to </a:t>
             </a:r>
             <a:r>
-              <a:rPr lang="en-US" b="0" dirty="0" err="1"/>
+              <a:rPr lang="en-US" b="0" strike="sngStrike" dirty="0" err="1"/>
               <a:t>std_logic_vector</a:t>
             </a:r>
             <a:r>
-              <a:rPr lang="en-US" b="0" dirty="0"/>
+              <a:rPr lang="en-US" b="0" strike="sngStrike" dirty="0"/>
               <a:t> to go into your BRAM. Include calculations to back up what the waveform shows.</a:t>
             </a:r>
           </a:p>
@@ -16706,59 +16760,51 @@
           <a:p>
             <a:pPr lvl="2"/>
             <a:r>
-              <a:rPr lang="en-US" b="0" dirty="0" smtClean="0"/>
+              <a:rPr lang="en-US" b="0" strike="sngStrike" dirty="0" smtClean="0"/>
               <a:t>For </a:t>
             </a:r>
             <a:r>
-              <a:rPr lang="en-US" b="0" dirty="0"/>
-              <a:t>Bonus Points: </a:t>
-            </a:r>
-            <a:r>
-              <a:rPr lang="en-US" b="0" dirty="0" err="1"/>
-              <a:t>Testbench</a:t>
-            </a:r>
-            <a:r>
-              <a:rPr lang="en-US" b="0" dirty="0"/>
-              <a:t> for the </a:t>
-            </a:r>
-            <a:r>
-              <a:rPr lang="en-US" b="0" dirty="0" err="1"/>
+              <a:rPr lang="en-US" b="0" strike="sngStrike" dirty="0"/>
+              <a:t>Bonus Points: Testbench for the </a:t>
+            </a:r>
+            <a:r>
+              <a:rPr lang="en-US" b="0" strike="sngStrike" dirty="0" err="1"/>
               <a:t>datapath</a:t>
             </a:r>
             <a:r>
-              <a:rPr lang="en-US" b="0" dirty="0"/>
+              <a:rPr lang="en-US" b="0" strike="sngStrike" dirty="0"/>
               <a:t> unit showing that same data coming out of the BRAM. Make sure you show the read address and the data values coming out. This will require you to set your control words on the </a:t>
             </a:r>
             <a:r>
-              <a:rPr lang="en-US" b="0" dirty="0" err="1"/>
+              <a:rPr lang="en-US" b="0" strike="sngStrike" dirty="0" err="1"/>
               <a:t>testbench</a:t>
             </a:r>
             <a:r>
-              <a:rPr lang="en-US" b="0" dirty="0"/>
+              <a:rPr lang="en-US" b="0" strike="sngStrike" dirty="0"/>
               <a:t>. Additionally, you will have to drive the </a:t>
             </a:r>
             <a:r>
-              <a:rPr lang="en-US" b="0" dirty="0" err="1"/>
+              <a:rPr lang="en-US" b="0" strike="sngStrike" dirty="0" err="1"/>
               <a:t>pixel_clock</a:t>
             </a:r>
             <a:r>
-              <a:rPr lang="en-US" b="0" dirty="0"/>
+              <a:rPr lang="en-US" b="0" strike="sngStrike" dirty="0"/>
               <a:t> on the Video Module. Once you get the </a:t>
             </a:r>
             <a:r>
-              <a:rPr lang="en-US" b="0" dirty="0" err="1"/>
+              <a:rPr lang="en-US" b="0" strike="sngStrike" dirty="0" err="1"/>
               <a:t>datapath</a:t>
             </a:r>
             <a:r>
-              <a:rPr lang="en-US" b="0" dirty="0"/>
+              <a:rPr lang="en-US" b="0" strike="sngStrike" dirty="0"/>
               <a:t> </a:t>
             </a:r>
             <a:r>
-              <a:rPr lang="en-US" b="0" dirty="0" err="1"/>
+              <a:rPr lang="en-US" b="0" strike="sngStrike" dirty="0" err="1"/>
               <a:t>testbench</a:t>
             </a:r>
             <a:r>
-              <a:rPr lang="en-US" b="0" dirty="0"/>
+              <a:rPr lang="en-US" b="0" strike="sngStrike" dirty="0"/>
               <a:t> running you will notice that DCM module doesn't put out a clock in the Video Module.</a:t>
             </a:r>
           </a:p>
@@ -16932,7 +16978,23 @@
             </a:r>
             <a:r>
               <a:rPr lang="en-US" b="0" dirty="0"/>
-              <a:t> strategy in HW #7 to </a:t>
+              <a:t> strategy in HW #</a:t>
+            </a:r>
+            <a:r>
+              <a:rPr lang="en-US" b="0" dirty="0" smtClean="0"/>
+              <a:t>7 (or another equivalent </a:t>
+            </a:r>
+            <a:r>
+              <a:rPr lang="en-US" b="0" dirty="0" err="1" smtClean="0"/>
+              <a:t>debouncing</a:t>
+            </a:r>
+            <a:r>
+              <a:rPr lang="en-US" b="0" dirty="0" smtClean="0"/>
+              <a:t> method) </a:t>
+            </a:r>
+            <a:r>
+              <a:rPr lang="en-US" b="0" dirty="0"/>
+              <a:t>to </a:t>
             </a:r>
             <a:r>
               <a:rPr lang="en-US" b="0" dirty="0" err="1"/>
@@ -17265,14 +17327,17 @@
             </a:r>
             <a:r>
               <a:rPr lang="en-US" b="0" dirty="0"/>
-              <a:t>. The main part of the lab is your README, documenting your design. Your README must include the </a:t>
-            </a:r>
-            <a:r>
-              <a:rPr lang="en-US" b="0" dirty="0" err="1"/>
-              <a:t>following:</a:t>
-            </a:r>
-            <a:r>
-              <a:rPr lang="en-US" dirty="0" err="1"/>
+              <a:t>. The main part of the lab is your README, documenting your design. Your README must include the following</a:t>
+            </a:r>
+            <a:r>
+              <a:rPr lang="en-US" b="0" dirty="0" smtClean="0"/>
+              <a:t>:</a:t>
+            </a:r>
+          </a:p>
+          <a:p>
+            <a:pPr lvl="1"/>
+            <a:r>
+              <a:rPr lang="en-US" dirty="0" smtClean="0"/>
               <a:t>Introduction</a:t>
             </a:r>
             <a:r>
@@ -17493,18 +17558,18 @@
           <a:p>
             <a:pPr lvl="1"/>
             <a:r>
-              <a:rPr lang="en-US" dirty="0" smtClean="0"/>
+              <a:rPr lang="en-US" strike="sngStrike" dirty="0" smtClean="0"/>
               <a:t>Capability</a:t>
             </a:r>
             <a:r>
-              <a:rPr lang="en-US" b="0" dirty="0" smtClean="0"/>
+              <a:rPr lang="en-US" b="0" strike="sngStrike" dirty="0" smtClean="0"/>
               <a:t> - Well you have built a oscilloscope, what are its capabilities?</a:t>
             </a:r>
           </a:p>
           <a:p>
             <a:pPr lvl="2"/>
             <a:r>
-              <a:rPr lang="en-US" b="0" dirty="0" smtClean="0"/>
+              <a:rPr lang="en-US" b="0" strike="sngStrike" dirty="0" smtClean="0"/>
               <a:t>The horizontal axis represents time. There are 10 major divisions on the display; how long does each major division represent?</a:t>
             </a:r>
           </a:p>
@@ -17667,25 +17732,25 @@
           <a:p>
             <a:pPr lvl="2"/>
             <a:r>
-              <a:rPr lang="en-US" b="0" dirty="0" smtClean="0"/>
+              <a:rPr lang="en-US" b="0" strike="sngStrike" dirty="0" smtClean="0"/>
               <a:t>Each </a:t>
             </a:r>
             <a:r>
-              <a:rPr lang="en-US" b="0" dirty="0"/>
+              <a:rPr lang="en-US" b="0" strike="sngStrike" dirty="0"/>
               <a:t>major time division is split into 4 minor division, how long does each minor division represent?</a:t>
             </a:r>
           </a:p>
           <a:p>
             <a:pPr lvl="2"/>
             <a:r>
-              <a:rPr lang="en-US" b="0" dirty="0"/>
+              <a:rPr lang="en-US" b="0" strike="sngStrike" dirty="0"/>
               <a:t>Generate a sine wave that can be fully captured on your display (like the yellow channel in the image at the top of this web page). record its height in major and minor vertical divisions. Measure this same audio output using the break out audio cable. Record the peak-to-peak voltage. Compute the number of volts in each major and minor vertical division</a:t>
             </a:r>
             <a:r>
-              <a:rPr lang="en-US" b="0" dirty="0" smtClean="0"/>
+              <a:rPr lang="en-US" b="0" strike="sngStrike" dirty="0" smtClean="0"/>
               <a:t>.</a:t>
             </a:r>
-            <a:endParaRPr lang="en-US" b="0" dirty="0"/>
+            <a:endParaRPr lang="en-US" b="0" strike="sngStrike" dirty="0"/>
           </a:p>
         </p:txBody>
       </p:sp>
@@ -17846,33 +17911,33 @@
           <a:p>
             <a:pPr lvl="2"/>
             <a:r>
-              <a:rPr lang="en-US" b="0" dirty="0" smtClean="0"/>
+              <a:rPr lang="en-US" b="0" strike="sngStrike" dirty="0" smtClean="0"/>
               <a:t>Starting </a:t>
             </a:r>
             <a:r>
-              <a:rPr lang="en-US" b="0" dirty="0"/>
+              <a:rPr lang="en-US" b="0" strike="sngStrike" dirty="0"/>
               <a:t>at address 0, how long does it take to fill the entire memory with audio samples (coming in at 48kHz)?</a:t>
             </a:r>
           </a:p>
           <a:p>
             <a:pPr lvl="2"/>
             <a:r>
-              <a:rPr lang="en-US" b="0" dirty="0"/>
+              <a:rPr lang="en-US" b="0" strike="sngStrike" dirty="0"/>
               <a:t>How long does it take to completely draw the display once?</a:t>
             </a:r>
           </a:p>
           <a:p>
             <a:pPr lvl="2"/>
             <a:r>
-              <a:rPr lang="en-US" b="0" dirty="0"/>
+              <a:rPr lang="en-US" b="0" strike="sngStrike" dirty="0"/>
               <a:t>The question is likely relevant to Lab 3 - how long is the </a:t>
             </a:r>
             <a:r>
-              <a:rPr lang="en-US" b="0" dirty="0" err="1"/>
+              <a:rPr lang="en-US" b="0" strike="sngStrike" dirty="0" err="1"/>
               <a:t>vsynch</a:t>
             </a:r>
             <a:r>
-              <a:rPr lang="en-US" b="0" dirty="0"/>
+              <a:rPr lang="en-US" b="0" strike="sngStrike" dirty="0"/>
               <a:t> signal held low?</a:t>
             </a:r>
           </a:p>
@@ -19608,8 +19673,8 @@
         </p:blipFill>
         <p:spPr bwMode="auto">
           <a:xfrm>
-            <a:off x="427348" y="1450014"/>
-            <a:ext cx="8341371" cy="5308679"/>
+            <a:off x="328921" y="1450014"/>
+            <a:ext cx="8538226" cy="5308679"/>
           </a:xfrm>
           <a:prstGeom prst="rect">
             <a:avLst/>
